--- a/content/docs/theory-analysis/kafka-schema-registry/images/images.pptx
+++ b/content/docs/theory-analysis/kafka-schema-registry/images/images.pptx
@@ -217,7 +217,7 @@
           <a:p>
             <a:fld id="{6CD5550B-26C4-49A9-A5BA-636EF7BE6CE9}" type="datetimeFigureOut">
               <a:rPr lang="ko-KR" altLang="en-US" smtClean="0"/>
-              <a:t>2025. 11. 12.</a:t>
+              <a:t>2025. 11. 13.</a:t>
             </a:fld>
             <a:endParaRPr lang="ko-KR" altLang="en-US"/>
           </a:p>
@@ -1095,7 +1095,7 @@
           <a:p>
             <a:fld id="{FB30EDBD-1C2D-4C1E-B459-B60219FAB484}" type="datetimeFigureOut">
               <a:rPr lang="ko-KR" altLang="en-US" smtClean="0"/>
-              <a:t>2025. 11. 12.</a:t>
+              <a:t>2025. 11. 13.</a:t>
             </a:fld>
             <a:endParaRPr lang="ko-KR" altLang="en-US"/>
           </a:p>
@@ -1258,7 +1258,7 @@
           <a:p>
             <a:fld id="{FB30EDBD-1C2D-4C1E-B459-B60219FAB484}" type="datetimeFigureOut">
               <a:rPr lang="ko-KR" altLang="en-US" smtClean="0"/>
-              <a:t>2025. 11. 12.</a:t>
+              <a:t>2025. 11. 13.</a:t>
             </a:fld>
             <a:endParaRPr lang="ko-KR" altLang="en-US"/>
           </a:p>
@@ -1431,7 +1431,7 @@
           <a:p>
             <a:fld id="{FB30EDBD-1C2D-4C1E-B459-B60219FAB484}" type="datetimeFigureOut">
               <a:rPr lang="ko-KR" altLang="en-US" smtClean="0"/>
-              <a:t>2025. 11. 12.</a:t>
+              <a:t>2025. 11. 13.</a:t>
             </a:fld>
             <a:endParaRPr lang="ko-KR" altLang="en-US"/>
           </a:p>
@@ -1594,7 +1594,7 @@
           <a:p>
             <a:fld id="{FB30EDBD-1C2D-4C1E-B459-B60219FAB484}" type="datetimeFigureOut">
               <a:rPr lang="ko-KR" altLang="en-US" smtClean="0"/>
-              <a:t>2025. 11. 12.</a:t>
+              <a:t>2025. 11. 13.</a:t>
             </a:fld>
             <a:endParaRPr lang="ko-KR" altLang="en-US"/>
           </a:p>
@@ -1834,7 +1834,7 @@
           <a:p>
             <a:fld id="{FB30EDBD-1C2D-4C1E-B459-B60219FAB484}" type="datetimeFigureOut">
               <a:rPr lang="ko-KR" altLang="en-US" smtClean="0"/>
-              <a:t>2025. 11. 12.</a:t>
+              <a:t>2025. 11. 13.</a:t>
             </a:fld>
             <a:endParaRPr lang="ko-KR" altLang="en-US"/>
           </a:p>
@@ -2114,7 +2114,7 @@
           <a:p>
             <a:fld id="{FB30EDBD-1C2D-4C1E-B459-B60219FAB484}" type="datetimeFigureOut">
               <a:rPr lang="ko-KR" altLang="en-US" smtClean="0"/>
-              <a:t>2025. 11. 12.</a:t>
+              <a:t>2025. 11. 13.</a:t>
             </a:fld>
             <a:endParaRPr lang="ko-KR" altLang="en-US"/>
           </a:p>
@@ -2528,7 +2528,7 @@
           <a:p>
             <a:fld id="{FB30EDBD-1C2D-4C1E-B459-B60219FAB484}" type="datetimeFigureOut">
               <a:rPr lang="ko-KR" altLang="en-US" smtClean="0"/>
-              <a:t>2025. 11. 12.</a:t>
+              <a:t>2025. 11. 13.</a:t>
             </a:fld>
             <a:endParaRPr lang="ko-KR" altLang="en-US"/>
           </a:p>
@@ -2640,7 +2640,7 @@
           <a:p>
             <a:fld id="{FB30EDBD-1C2D-4C1E-B459-B60219FAB484}" type="datetimeFigureOut">
               <a:rPr lang="ko-KR" altLang="en-US" smtClean="0"/>
-              <a:t>2025. 11. 12.</a:t>
+              <a:t>2025. 11. 13.</a:t>
             </a:fld>
             <a:endParaRPr lang="ko-KR" altLang="en-US"/>
           </a:p>
@@ -2730,7 +2730,7 @@
           <a:p>
             <a:fld id="{FB30EDBD-1C2D-4C1E-B459-B60219FAB484}" type="datetimeFigureOut">
               <a:rPr lang="ko-KR" altLang="en-US" smtClean="0"/>
-              <a:t>2025. 11. 12.</a:t>
+              <a:t>2025. 11. 13.</a:t>
             </a:fld>
             <a:endParaRPr lang="ko-KR" altLang="en-US"/>
           </a:p>
@@ -3000,7 +3000,7 @@
           <a:p>
             <a:fld id="{FB30EDBD-1C2D-4C1E-B459-B60219FAB484}" type="datetimeFigureOut">
               <a:rPr lang="ko-KR" altLang="en-US" smtClean="0"/>
-              <a:t>2025. 11. 12.</a:t>
+              <a:t>2025. 11. 13.</a:t>
             </a:fld>
             <a:endParaRPr lang="ko-KR" altLang="en-US"/>
           </a:p>
@@ -3247,7 +3247,7 @@
           <a:p>
             <a:fld id="{FB30EDBD-1C2D-4C1E-B459-B60219FAB484}" type="datetimeFigureOut">
               <a:rPr lang="ko-KR" altLang="en-US" smtClean="0"/>
-              <a:t>2025. 11. 12.</a:t>
+              <a:t>2025. 11. 13.</a:t>
             </a:fld>
             <a:endParaRPr lang="ko-KR" altLang="en-US"/>
           </a:p>
@@ -3453,7 +3453,7 @@
           <a:p>
             <a:fld id="{FB30EDBD-1C2D-4C1E-B459-B60219FAB484}" type="datetimeFigureOut">
               <a:rPr lang="ko-KR" altLang="en-US" smtClean="0"/>
-              <a:t>2025. 11. 12.</a:t>
+              <a:t>2025. 11. 13.</a:t>
             </a:fld>
             <a:endParaRPr lang="ko-KR" altLang="en-US"/>
           </a:p>
@@ -4991,7 +4991,7 @@
         </p:nvSpPr>
         <p:spPr>
           <a:xfrm>
-            <a:off x="1713425" y="2570906"/>
+            <a:off x="1713425" y="2519864"/>
             <a:ext cx="216024" cy="216024"/>
           </a:xfrm>
           <a:prstGeom prst="ellipse">
@@ -5057,7 +5057,7 @@
         </p:nvSpPr>
         <p:spPr>
           <a:xfrm>
-            <a:off x="1850077" y="2531804"/>
+            <a:off x="1818056" y="2480762"/>
             <a:ext cx="1411645" cy="294228"/>
           </a:xfrm>
           <a:prstGeom prst="roundRect">
@@ -5095,7 +5095,22 @@
                   <a:schemeClr val="tx1"/>
                 </a:solidFill>
               </a:rPr>
-              <a:t>Get schema ID</a:t>
+              <a:t>Get schema</a:t>
+            </a:r>
+            <a:br>
+              <a:rPr lang="en-US" altLang="ko-KR" sz="1000" i="1">
+                <a:solidFill>
+                  <a:schemeClr val="tx1"/>
+                </a:solidFill>
+              </a:rPr>
+            </a:br>
+            <a:r>
+              <a:rPr lang="en-US" altLang="ko-KR" sz="1000" i="1">
+                <a:solidFill>
+                  <a:schemeClr val="tx1"/>
+                </a:solidFill>
+              </a:rPr>
+              <a:t>&amp; schema ID</a:t>
             </a:r>
           </a:p>
           <a:p>
@@ -5259,7 +5274,7 @@
         </p:nvSpPr>
         <p:spPr>
           <a:xfrm>
-            <a:off x="6752032" y="2565968"/>
+            <a:off x="6752032" y="2515543"/>
             <a:ext cx="216024" cy="216024"/>
           </a:xfrm>
           <a:prstGeom prst="ellipse">
@@ -5391,7 +5406,7 @@
         </p:nvSpPr>
         <p:spPr>
           <a:xfrm>
-            <a:off x="5443721" y="2531804"/>
+            <a:off x="5443721" y="2481379"/>
             <a:ext cx="1411645" cy="294228"/>
           </a:xfrm>
           <a:prstGeom prst="roundRect">
